--- a/database/slides/COME_AND_GO_WITH_ME.pptx
+++ b/database/slides/COME_AND_GO_WITH_ME.pptx
@@ -15785,7 +15785,13 @@
       </p:sp>
       <p:sp>
         <p:nvSpPr>
-          <p:cNvPr id="131" name="Google Shape;131;p25"/>
+          <p:cNvPr id="2" name="Google Shape;131;p25">
+            <a:extLst>
+              <a:ext uri="{FF2B5EF4-FFF2-40B4-BE49-F238E27FC236}">
+                <a16:creationId xmlns:a16="http://schemas.microsoft.com/office/drawing/2014/main" id="{4852FB57-7A07-9402-0C31-A24C8B11B3C4}"/>
+              </a:ext>
+            </a:extLst>
+          </p:cNvPr>
           <p:cNvSpPr txBox="1"/>
           <p:nvPr/>
         </p:nvSpPr>
@@ -15830,9 +15836,16 @@
                 <a:latin typeface="Calibri"/>
                 <a:ea typeface="Calibri"/>
                 <a:cs typeface="Calibri"/>
+                <a:sym typeface="Calibri"/>
               </a:rPr>
               <a:t>contd..</a:t>
             </a:r>
+            <a:endParaRPr sz="3600" dirty="0">
+              <a:latin typeface="Calibri"/>
+              <a:ea typeface="Calibri"/>
+              <a:cs typeface="Calibri"/>
+              <a:sym typeface="Calibri"/>
+            </a:endParaRPr>
           </a:p>
         </p:txBody>
       </p:sp>

--- a/database/slides/COME_AND_GO_WITH_ME.pptx
+++ b/database/slides/COME_AND_GO_WITH_ME.pptx
@@ -15657,7 +15657,23 @@
                   <a:schemeClr val="bg1"/>
                 </a:solidFill>
               </a:rPr>
-              <a:t>Come and go with me to Father’s house,</a:t>
+              <a:t>Come and go with me </a:t>
+            </a:r>
+            <a:r>
+              <a:rPr lang="en-GB" sz="3600" b="1">
+                <a:solidFill>
+                  <a:schemeClr val="bg1"/>
+                </a:solidFill>
+              </a:rPr>
+              <a:t>to my Father’s </a:t>
+            </a:r>
+            <a:r>
+              <a:rPr lang="en-GB" sz="3600" b="1" dirty="0">
+                <a:solidFill>
+                  <a:schemeClr val="bg1"/>
+                </a:solidFill>
+              </a:rPr>
+              <a:t>house,</a:t>
             </a:r>
           </a:p>
           <a:p>
